--- a/Présentation Repart.pptx
+++ b/Présentation Repart.pptx
@@ -3710,7 +3710,9 @@
           <a:lstStyle/>
           <a:p>
             <a:r>
-              <a:rPr lang="fr-FR" dirty="0"/>
+              <a:rPr lang="fr-FR" dirty="0">
+                <a:latin typeface="Century Gothic" panose="020B0502020202020204" pitchFamily="34" charset="0"/>
+              </a:rPr>
               <a:t>Repart</a:t>
             </a:r>
           </a:p>
@@ -3745,32 +3747,41 @@
           <a:lstStyle/>
           <a:p>
             <a:r>
-              <a:rPr lang="fr-FR" sz="2000" dirty="0"/>
+              <a:rPr lang="fr-FR" sz="2000" dirty="0">
+                <a:latin typeface="Century Gothic" panose="020B0502020202020204" pitchFamily="34" charset="0"/>
+              </a:rPr>
               <a:t>COLLOT Damien,</a:t>
             </a:r>
             <a:r>
               <a:rPr lang="fr-FR" sz="2000" b="0" i="0" u="none" strike="noStrike" dirty="0">
                 <a:effectLst/>
+                <a:latin typeface="Century Gothic" panose="020B0502020202020204" pitchFamily="34" charset="0"/>
               </a:rPr>
               <a:t> </a:t>
             </a:r>
             <a:r>
               <a:rPr lang="fr-FR" sz="2000" b="0" i="0" u="none" strike="noStrike" dirty="0" err="1">
                 <a:effectLst/>
+                <a:latin typeface="Century Gothic" panose="020B0502020202020204" pitchFamily="34" charset="0"/>
               </a:rPr>
               <a:t>Doulkom</a:t>
             </a:r>
             <a:r>
-              <a:rPr lang="fr-FR" sz="2000" dirty="0"/>
+              <a:rPr lang="fr-FR" sz="2000" dirty="0">
+                <a:latin typeface="Century Gothic" panose="020B0502020202020204" pitchFamily="34" charset="0"/>
+              </a:rPr>
               <a:t> </a:t>
             </a:r>
             <a:r>
               <a:rPr lang="fr-FR" sz="2000" b="0" i="0" u="none" strike="noStrike" dirty="0">
                 <a:effectLst/>
+                <a:latin typeface="Century Gothic" panose="020B0502020202020204" pitchFamily="34" charset="0"/>
               </a:rPr>
               <a:t>Ayman, Symphorien Mathieu, Nicolas WROBEL</a:t>
             </a:r>
-            <a:endParaRPr lang="fr-FR" sz="2000" dirty="0"/>
+            <a:endParaRPr lang="fr-FR" sz="2000" dirty="0">
+              <a:latin typeface="Century Gothic" panose="020B0502020202020204" pitchFamily="34" charset="0"/>
+            </a:endParaRPr>
           </a:p>
         </p:txBody>
       </p:sp>
@@ -4058,43 +4069,57 @@
           <a:lstStyle/>
           <a:p>
             <a:r>
-              <a:rPr lang="fr-FR" dirty="0"/>
+              <a:rPr lang="fr-FR" dirty="0">
+                <a:latin typeface="Century Gothic" panose="020B0502020202020204" pitchFamily="34" charset="0"/>
+              </a:rPr>
               <a:t>Présentation du projet</a:t>
             </a:r>
           </a:p>
           <a:p>
             <a:r>
-              <a:rPr lang="fr-FR" dirty="0"/>
+              <a:rPr lang="fr-FR" dirty="0">
+                <a:latin typeface="Century Gothic" panose="020B0502020202020204" pitchFamily="34" charset="0"/>
+              </a:rPr>
               <a:t>User stories</a:t>
             </a:r>
           </a:p>
           <a:p>
             <a:r>
-              <a:rPr lang="fr-FR" dirty="0"/>
+              <a:rPr lang="fr-FR" dirty="0">
+                <a:latin typeface="Century Gothic" panose="020B0502020202020204" pitchFamily="34" charset="0"/>
+              </a:rPr>
               <a:t>Conception détaillées</a:t>
             </a:r>
           </a:p>
           <a:p>
             <a:r>
-              <a:rPr lang="fr-FR" dirty="0"/>
+              <a:rPr lang="fr-FR" dirty="0">
+                <a:latin typeface="Century Gothic" panose="020B0502020202020204" pitchFamily="34" charset="0"/>
+              </a:rPr>
               <a:t>Maquettes statiques</a:t>
             </a:r>
           </a:p>
           <a:p>
             <a:r>
-              <a:rPr lang="fr-FR" dirty="0"/>
+              <a:rPr lang="fr-FR" dirty="0">
+                <a:latin typeface="Century Gothic" panose="020B0502020202020204" pitchFamily="34" charset="0"/>
+              </a:rPr>
               <a:t>Maquette dynamique</a:t>
             </a:r>
           </a:p>
           <a:p>
             <a:r>
-              <a:rPr lang="fr-FR" dirty="0"/>
+              <a:rPr lang="fr-FR" dirty="0">
+                <a:latin typeface="Century Gothic" panose="020B0502020202020204" pitchFamily="34" charset="0"/>
+              </a:rPr>
               <a:t>Simulation</a:t>
             </a:r>
           </a:p>
           <a:p>
             <a:r>
-              <a:rPr lang="fr-FR" dirty="0"/>
+              <a:rPr lang="fr-FR" dirty="0">
+                <a:latin typeface="Century Gothic" panose="020B0502020202020204" pitchFamily="34" charset="0"/>
+              </a:rPr>
               <a:t>Plan de financement</a:t>
             </a:r>
           </a:p>
@@ -4277,8 +4302,8 @@
         </p:blipFill>
         <p:spPr>
           <a:xfrm>
-            <a:off x="2583080" y="1083030"/>
-            <a:ext cx="4868931" cy="2434466"/>
+            <a:off x="5369311" y="994304"/>
+            <a:ext cx="4349326" cy="2174663"/>
           </a:xfrm>
         </p:spPr>
       </p:pic>
@@ -4304,8 +4329,8 @@
         </p:blipFill>
         <p:spPr>
           <a:xfrm>
-            <a:off x="6672364" y="3517496"/>
-            <a:ext cx="5077470" cy="2854714"/>
+            <a:off x="7278961" y="3739883"/>
+            <a:ext cx="4263923" cy="2397312"/>
           </a:xfrm>
           <a:prstGeom prst="rect">
             <a:avLst/>
@@ -4334,14 +4359,119 @@
         </p:blipFill>
         <p:spPr>
           <a:xfrm>
-            <a:off x="601532" y="3517496"/>
-            <a:ext cx="3189642" cy="3189642"/>
+            <a:off x="206575" y="2905350"/>
+            <a:ext cx="3039380" cy="3039380"/>
           </a:xfrm>
           <a:prstGeom prst="rect">
             <a:avLst/>
           </a:prstGeom>
         </p:spPr>
       </p:pic>
+      <p:sp>
+        <p:nvSpPr>
+          <p:cNvPr id="14" name="ZoneTexte 13">
+            <a:extLst>
+              <a:ext uri="{FF2B5EF4-FFF2-40B4-BE49-F238E27FC236}">
+                <a16:creationId xmlns:a16="http://schemas.microsoft.com/office/drawing/2014/main" id="{8BF23D80-2735-38B0-FF49-032D87287C60}"/>
+              </a:ext>
+            </a:extLst>
+          </p:cNvPr>
+          <p:cNvSpPr txBox="1"/>
+          <p:nvPr/>
+        </p:nvSpPr>
+        <p:spPr>
+          <a:xfrm>
+            <a:off x="838200" y="5944730"/>
+            <a:ext cx="2022438" cy="369332"/>
+          </a:xfrm>
+          <a:prstGeom prst="rect">
+            <a:avLst/>
+          </a:prstGeom>
+          <a:noFill/>
+        </p:spPr>
+        <p:txBody>
+          <a:bodyPr wrap="square" rtlCol="0">
+            <a:spAutoFit/>
+          </a:bodyPr>
+          <a:lstStyle/>
+          <a:p>
+            <a:r>
+              <a:rPr lang="fr-FR" dirty="0"/>
+              <a:t>Musicien seul</a:t>
+            </a:r>
+          </a:p>
+        </p:txBody>
+      </p:sp>
+      <p:sp>
+        <p:nvSpPr>
+          <p:cNvPr id="15" name="ZoneTexte 14">
+            <a:extLst>
+              <a:ext uri="{FF2B5EF4-FFF2-40B4-BE49-F238E27FC236}">
+                <a16:creationId xmlns:a16="http://schemas.microsoft.com/office/drawing/2014/main" id="{9D6B17EB-2885-AEFB-6E67-3FF8AB2CB244}"/>
+              </a:ext>
+            </a:extLst>
+          </p:cNvPr>
+          <p:cNvSpPr txBox="1"/>
+          <p:nvPr/>
+        </p:nvSpPr>
+        <p:spPr>
+          <a:xfrm>
+            <a:off x="8083475" y="6129396"/>
+            <a:ext cx="3270325" cy="369332"/>
+          </a:xfrm>
+          <a:prstGeom prst="rect">
+            <a:avLst/>
+          </a:prstGeom>
+          <a:noFill/>
+        </p:spPr>
+        <p:txBody>
+          <a:bodyPr wrap="square" rtlCol="0">
+            <a:spAutoFit/>
+          </a:bodyPr>
+          <a:lstStyle/>
+          <a:p>
+            <a:r>
+              <a:rPr lang="fr-FR" dirty="0"/>
+              <a:t>Orchestre symphonique</a:t>
+            </a:r>
+          </a:p>
+        </p:txBody>
+      </p:sp>
+      <p:sp>
+        <p:nvSpPr>
+          <p:cNvPr id="16" name="ZoneTexte 15">
+            <a:extLst>
+              <a:ext uri="{FF2B5EF4-FFF2-40B4-BE49-F238E27FC236}">
+                <a16:creationId xmlns:a16="http://schemas.microsoft.com/office/drawing/2014/main" id="{ADA85CF9-CD70-BC7A-1BE9-50B42D171BAC}"/>
+              </a:ext>
+            </a:extLst>
+          </p:cNvPr>
+          <p:cNvSpPr txBox="1"/>
+          <p:nvPr/>
+        </p:nvSpPr>
+        <p:spPr>
+          <a:xfrm>
+            <a:off x="6582783" y="3140863"/>
+            <a:ext cx="3001384" cy="369332"/>
+          </a:xfrm>
+          <a:prstGeom prst="rect">
+            <a:avLst/>
+          </a:prstGeom>
+          <a:noFill/>
+        </p:spPr>
+        <p:txBody>
+          <a:bodyPr wrap="square" rtlCol="0">
+            <a:spAutoFit/>
+          </a:bodyPr>
+          <a:lstStyle/>
+          <a:p>
+            <a:r>
+              <a:rPr lang="fr-FR" dirty="0"/>
+              <a:t>Groupe de musique</a:t>
+            </a:r>
+          </a:p>
+        </p:txBody>
+      </p:sp>
     </p:spTree>
     <p:extLst>
       <p:ext uri="{BB962C8B-B14F-4D97-AF65-F5344CB8AC3E}">

--- a/Présentation Repart.pptx
+++ b/Présentation Repart.pptx
@@ -117,6 +117,11 @@
       </a:defRPr>
     </a:lvl9pPr>
   </p:defaultTextStyle>
+  <p:extLst>
+    <p:ext uri="{EFAFB233-063F-42B5-8137-9DF3F51BA10A}">
+      <p15:sldGuideLst xmlns:p15="http://schemas.microsoft.com/office/powerpoint/2012/main"/>
+    </p:ext>
+  </p:extLst>
 </p:presentation>
 </file>
 
@@ -202,7 +207,7 @@
           <a:p>
             <a:fld id="{B280316F-2FDD-8B4C-B814-5DE275F4CB7F}" type="datetimeFigureOut">
               <a:rPr lang="fr-FR" smtClean="0"/>
-              <a:t>09/11/2022</a:t>
+              <a:t>10/11/2022</a:t>
             </a:fld>
             <a:endParaRPr lang="fr-FR"/>
           </a:p>
@@ -614,9 +619,9 @@
           <a:bodyPr/>
           <a:lstStyle/>
           <a:p>
-            <a:fld id="{147625C9-1912-C14E-9B14-70F12E3C8F5F}" type="datetimeFigureOut">
+            <a:fld id="{66FE9C54-40B9-A44E-B769-C6F647794536}" type="datetime1">
               <a:rPr lang="fr-FR" smtClean="0"/>
-              <a:t>09/11/2022</a:t>
+              <a:t>10/11/2022</a:t>
             </a:fld>
             <a:endParaRPr lang="fr-FR"/>
           </a:p>
@@ -812,9 +817,9 @@
           <a:bodyPr/>
           <a:lstStyle/>
           <a:p>
-            <a:fld id="{147625C9-1912-C14E-9B14-70F12E3C8F5F}" type="datetimeFigureOut">
+            <a:fld id="{CB4BD114-10FF-FC4A-9EE0-4E2055CD7F19}" type="datetime1">
               <a:rPr lang="fr-FR" smtClean="0"/>
-              <a:t>09/11/2022</a:t>
+              <a:t>10/11/2022</a:t>
             </a:fld>
             <a:endParaRPr lang="fr-FR"/>
           </a:p>
@@ -1020,9 +1025,9 @@
           <a:bodyPr/>
           <a:lstStyle/>
           <a:p>
-            <a:fld id="{147625C9-1912-C14E-9B14-70F12E3C8F5F}" type="datetimeFigureOut">
+            <a:fld id="{5051804C-2986-2943-BB91-62FA36C1AC2D}" type="datetime1">
               <a:rPr lang="fr-FR" smtClean="0"/>
-              <a:t>09/11/2022</a:t>
+              <a:t>10/11/2022</a:t>
             </a:fld>
             <a:endParaRPr lang="fr-FR"/>
           </a:p>
@@ -1218,9 +1223,9 @@
           <a:bodyPr/>
           <a:lstStyle/>
           <a:p>
-            <a:fld id="{147625C9-1912-C14E-9B14-70F12E3C8F5F}" type="datetimeFigureOut">
+            <a:fld id="{ACE2CD22-86D8-0047-8C4F-2CE0B2375143}" type="datetime1">
               <a:rPr lang="fr-FR" smtClean="0"/>
-              <a:t>09/11/2022</a:t>
+              <a:t>10/11/2022</a:t>
             </a:fld>
             <a:endParaRPr lang="fr-FR"/>
           </a:p>
@@ -1493,9 +1498,9 @@
           <a:bodyPr/>
           <a:lstStyle/>
           <a:p>
-            <a:fld id="{147625C9-1912-C14E-9B14-70F12E3C8F5F}" type="datetimeFigureOut">
+            <a:fld id="{29ED3F2B-8023-9B47-9561-A9EA36388565}" type="datetime1">
               <a:rPr lang="fr-FR" smtClean="0"/>
-              <a:t>09/11/2022</a:t>
+              <a:t>10/11/2022</a:t>
             </a:fld>
             <a:endParaRPr lang="fr-FR"/>
           </a:p>
@@ -1758,9 +1763,9 @@
           <a:bodyPr/>
           <a:lstStyle/>
           <a:p>
-            <a:fld id="{147625C9-1912-C14E-9B14-70F12E3C8F5F}" type="datetimeFigureOut">
+            <a:fld id="{9020AEFD-5E50-704D-A23F-4C2A52F8D324}" type="datetime1">
               <a:rPr lang="fr-FR" smtClean="0"/>
-              <a:t>09/11/2022</a:t>
+              <a:t>10/11/2022</a:t>
             </a:fld>
             <a:endParaRPr lang="fr-FR"/>
           </a:p>
@@ -2170,9 +2175,9 @@
           <a:bodyPr/>
           <a:lstStyle/>
           <a:p>
-            <a:fld id="{147625C9-1912-C14E-9B14-70F12E3C8F5F}" type="datetimeFigureOut">
+            <a:fld id="{57244691-26D6-184B-A57D-2D0FD9F33578}" type="datetime1">
               <a:rPr lang="fr-FR" smtClean="0"/>
-              <a:t>09/11/2022</a:t>
+              <a:t>10/11/2022</a:t>
             </a:fld>
             <a:endParaRPr lang="fr-FR"/>
           </a:p>
@@ -2311,9 +2316,9 @@
           <a:bodyPr/>
           <a:lstStyle/>
           <a:p>
-            <a:fld id="{147625C9-1912-C14E-9B14-70F12E3C8F5F}" type="datetimeFigureOut">
+            <a:fld id="{DDA60A63-83F3-FF4F-8E25-605BA68A3E92}" type="datetime1">
               <a:rPr lang="fr-FR" smtClean="0"/>
-              <a:t>09/11/2022</a:t>
+              <a:t>10/11/2022</a:t>
             </a:fld>
             <a:endParaRPr lang="fr-FR"/>
           </a:p>
@@ -2424,9 +2429,9 @@
           <a:bodyPr/>
           <a:lstStyle/>
           <a:p>
-            <a:fld id="{147625C9-1912-C14E-9B14-70F12E3C8F5F}" type="datetimeFigureOut">
+            <a:fld id="{9691FE74-D910-1A4F-B649-6E0E8FD37D33}" type="datetime1">
               <a:rPr lang="fr-FR" smtClean="0"/>
-              <a:t>09/11/2022</a:t>
+              <a:t>10/11/2022</a:t>
             </a:fld>
             <a:endParaRPr lang="fr-FR"/>
           </a:p>
@@ -2735,9 +2740,9 @@
           <a:bodyPr/>
           <a:lstStyle/>
           <a:p>
-            <a:fld id="{147625C9-1912-C14E-9B14-70F12E3C8F5F}" type="datetimeFigureOut">
+            <a:fld id="{565E1CEB-8B27-0641-A471-A94A335438AC}" type="datetime1">
               <a:rPr lang="fr-FR" smtClean="0"/>
-              <a:t>09/11/2022</a:t>
+              <a:t>10/11/2022</a:t>
             </a:fld>
             <a:endParaRPr lang="fr-FR"/>
           </a:p>
@@ -3023,9 +3028,9 @@
           <a:bodyPr/>
           <a:lstStyle/>
           <a:p>
-            <a:fld id="{147625C9-1912-C14E-9B14-70F12E3C8F5F}" type="datetimeFigureOut">
+            <a:fld id="{276F522A-B46A-C54D-8FFF-145A5EF6F8E4}" type="datetime1">
               <a:rPr lang="fr-FR" smtClean="0"/>
-              <a:t>09/11/2022</a:t>
+              <a:t>10/11/2022</a:t>
             </a:fld>
             <a:endParaRPr lang="fr-FR"/>
           </a:p>
@@ -3264,9 +3269,9 @@
             </a:lvl1pPr>
           </a:lstStyle>
           <a:p>
-            <a:fld id="{147625C9-1912-C14E-9B14-70F12E3C8F5F}" type="datetimeFigureOut">
+            <a:fld id="{5B166005-C082-C34C-9C7B-DA6DC0716592}" type="datetime1">
               <a:rPr lang="fr-FR" smtClean="0"/>
-              <a:t>09/11/2022</a:t>
+              <a:t>10/11/2022</a:t>
             </a:fld>
             <a:endParaRPr lang="fr-FR"/>
           </a:p>
@@ -3383,6 +3388,7 @@
     <p:sldLayoutId id="2147483658" r:id="rId10"/>
     <p:sldLayoutId id="2147483659" r:id="rId11"/>
   </p:sldLayoutIdLst>
+  <p:hf hdr="0" ftr="0" dt="0"/>
   <p:txStyles>
     <p:titleStyle>
       <a:lvl1pPr algn="l" defTabSz="914400" rtl="0" eaLnBrk="1" latinLnBrk="0" hangingPunct="1">
@@ -3685,41 +3691,6 @@
       </p:grpSpPr>
       <p:sp>
         <p:nvSpPr>
-          <p:cNvPr id="2" name="Titre 1">
-            <a:extLst>
-              <a:ext uri="{FF2B5EF4-FFF2-40B4-BE49-F238E27FC236}">
-                <a16:creationId xmlns:a16="http://schemas.microsoft.com/office/drawing/2014/main" id="{41718392-EB5D-77EB-B751-E83766524590}"/>
-              </a:ext>
-            </a:extLst>
-          </p:cNvPr>
-          <p:cNvSpPr>
-            <a:spLocks noGrp="1"/>
-          </p:cNvSpPr>
-          <p:nvPr>
-            <p:ph type="ctrTitle"/>
-          </p:nvPr>
-        </p:nvSpPr>
-        <p:spPr>
-          <a:xfrm>
-            <a:off x="1524000" y="1201549"/>
-            <a:ext cx="9144000" cy="2387600"/>
-          </a:xfrm>
-        </p:spPr>
-        <p:txBody>
-          <a:bodyPr/>
-          <a:lstStyle/>
-          <a:p>
-            <a:r>
-              <a:rPr lang="fr-FR" dirty="0">
-                <a:latin typeface="Century Gothic" panose="020B0502020202020204" pitchFamily="34" charset="0"/>
-              </a:rPr>
-              <a:t>Repart</a:t>
-            </a:r>
-          </a:p>
-        </p:txBody>
-      </p:sp>
-      <p:sp>
-        <p:nvSpPr>
           <p:cNvPr id="3" name="Sous-titre 2">
             <a:extLst>
               <a:ext uri="{FF2B5EF4-FFF2-40B4-BE49-F238E27FC236}">
@@ -3815,6 +3786,65 @@
           </a:prstGeom>
         </p:spPr>
       </p:pic>
+      <p:pic>
+        <p:nvPicPr>
+          <p:cNvPr id="6" name="Image 5">
+            <a:extLst>
+              <a:ext uri="{FF2B5EF4-FFF2-40B4-BE49-F238E27FC236}">
+                <a16:creationId xmlns:a16="http://schemas.microsoft.com/office/drawing/2014/main" id="{B075D051-4BC3-93F4-5187-D42BB57A3969}"/>
+              </a:ext>
+            </a:extLst>
+          </p:cNvPr>
+          <p:cNvPicPr>
+            <a:picLocks noChangeAspect="1"/>
+          </p:cNvPicPr>
+          <p:nvPr/>
+        </p:nvPicPr>
+        <p:blipFill>
+          <a:blip r:embed="rId3"/>
+          <a:stretch>
+            <a:fillRect/>
+          </a:stretch>
+        </p:blipFill>
+        <p:spPr>
+          <a:xfrm>
+            <a:off x="4615927" y="1771864"/>
+            <a:ext cx="2960146" cy="2433898"/>
+          </a:xfrm>
+          <a:prstGeom prst="rect">
+            <a:avLst/>
+          </a:prstGeom>
+        </p:spPr>
+      </p:pic>
+      <p:sp>
+        <p:nvSpPr>
+          <p:cNvPr id="9" name="Espace réservé du numéro de diapositive 8">
+            <a:extLst>
+              <a:ext uri="{FF2B5EF4-FFF2-40B4-BE49-F238E27FC236}">
+                <a16:creationId xmlns:a16="http://schemas.microsoft.com/office/drawing/2014/main" id="{40D4F0B2-9E0C-C9E4-00D9-8CC9151CE534}"/>
+              </a:ext>
+            </a:extLst>
+          </p:cNvPr>
+          <p:cNvSpPr>
+            <a:spLocks noGrp="1"/>
+          </p:cNvSpPr>
+          <p:nvPr>
+            <p:ph type="sldNum" sz="quarter" idx="12"/>
+          </p:nvPr>
+        </p:nvSpPr>
+        <p:spPr/>
+        <p:txBody>
+          <a:bodyPr/>
+          <a:lstStyle/>
+          <a:p>
+            <a:fld id="{7A576E13-A1CA-3747-80EE-E6E0D12CE74D}" type="slidenum">
+              <a:rPr lang="fr-FR" smtClean="0"/>
+              <a:t>1</a:t>
+            </a:fld>
+            <a:endParaRPr lang="fr-FR"/>
+          </a:p>
+        </p:txBody>
+      </p:sp>
     </p:spTree>
     <p:extLst>
       <p:ext uri="{BB962C8B-B14F-4D97-AF65-F5344CB8AC3E}">
@@ -3902,6 +3932,35 @@
           </a:xfrm>
         </p:spPr>
       </p:pic>
+      <p:sp>
+        <p:nvSpPr>
+          <p:cNvPr id="3" name="Espace réservé du numéro de diapositive 2">
+            <a:extLst>
+              <a:ext uri="{FF2B5EF4-FFF2-40B4-BE49-F238E27FC236}">
+                <a16:creationId xmlns:a16="http://schemas.microsoft.com/office/drawing/2014/main" id="{B0FD42D2-42E4-3953-8C08-FD3F0F5D2B06}"/>
+              </a:ext>
+            </a:extLst>
+          </p:cNvPr>
+          <p:cNvSpPr>
+            <a:spLocks noGrp="1"/>
+          </p:cNvSpPr>
+          <p:nvPr>
+            <p:ph type="sldNum" sz="quarter" idx="12"/>
+          </p:nvPr>
+        </p:nvSpPr>
+        <p:spPr/>
+        <p:txBody>
+          <a:bodyPr/>
+          <a:lstStyle/>
+          <a:p>
+            <a:fld id="{7A576E13-A1CA-3747-80EE-E6E0D12CE74D}" type="slidenum">
+              <a:rPr lang="fr-FR" smtClean="0"/>
+              <a:t>10</a:t>
+            </a:fld>
+            <a:endParaRPr lang="fr-FR"/>
+          </a:p>
+        </p:txBody>
+      </p:sp>
     </p:spTree>
     <p:extLst>
       <p:ext uri="{BB962C8B-B14F-4D97-AF65-F5344CB8AC3E}">
@@ -3989,6 +4048,35 @@
           </a:xfrm>
         </p:spPr>
       </p:pic>
+      <p:sp>
+        <p:nvSpPr>
+          <p:cNvPr id="3" name="Espace réservé du numéro de diapositive 2">
+            <a:extLst>
+              <a:ext uri="{FF2B5EF4-FFF2-40B4-BE49-F238E27FC236}">
+                <a16:creationId xmlns:a16="http://schemas.microsoft.com/office/drawing/2014/main" id="{2A2672E4-5E43-0BFE-AD7A-5821C1FF87C2}"/>
+              </a:ext>
+            </a:extLst>
+          </p:cNvPr>
+          <p:cNvSpPr>
+            <a:spLocks noGrp="1"/>
+          </p:cNvSpPr>
+          <p:nvPr>
+            <p:ph type="sldNum" sz="quarter" idx="12"/>
+          </p:nvPr>
+        </p:nvSpPr>
+        <p:spPr/>
+        <p:txBody>
+          <a:bodyPr/>
+          <a:lstStyle/>
+          <a:p>
+            <a:fld id="{7A576E13-A1CA-3747-80EE-E6E0D12CE74D}" type="slidenum">
+              <a:rPr lang="fr-FR" smtClean="0"/>
+              <a:t>11</a:t>
+            </a:fld>
+            <a:endParaRPr lang="fr-FR"/>
+          </a:p>
+        </p:txBody>
+      </p:sp>
     </p:spTree>
     <p:extLst>
       <p:ext uri="{BB962C8B-B14F-4D97-AF65-F5344CB8AC3E}">
@@ -4215,6 +4303,65 @@
           </a:prstGeom>
         </p:spPr>
       </p:pic>
+      <p:pic>
+        <p:nvPicPr>
+          <p:cNvPr id="5" name="Image 4">
+            <a:extLst>
+              <a:ext uri="{FF2B5EF4-FFF2-40B4-BE49-F238E27FC236}">
+                <a16:creationId xmlns:a16="http://schemas.microsoft.com/office/drawing/2014/main" id="{E8E1EF16-A3FC-B893-8A36-5B5783507CEB}"/>
+              </a:ext>
+            </a:extLst>
+          </p:cNvPr>
+          <p:cNvPicPr>
+            <a:picLocks noChangeAspect="1"/>
+          </p:cNvPicPr>
+          <p:nvPr/>
+        </p:nvPicPr>
+        <p:blipFill>
+          <a:blip r:embed="rId5"/>
+          <a:stretch>
+            <a:fillRect/>
+          </a:stretch>
+        </p:blipFill>
+        <p:spPr>
+          <a:xfrm>
+            <a:off x="9366447" y="1721726"/>
+            <a:ext cx="1011529" cy="831701"/>
+          </a:xfrm>
+          <a:prstGeom prst="rect">
+            <a:avLst/>
+          </a:prstGeom>
+        </p:spPr>
+      </p:pic>
+      <p:sp>
+        <p:nvSpPr>
+          <p:cNvPr id="6" name="Espace réservé du numéro de diapositive 5">
+            <a:extLst>
+              <a:ext uri="{FF2B5EF4-FFF2-40B4-BE49-F238E27FC236}">
+                <a16:creationId xmlns:a16="http://schemas.microsoft.com/office/drawing/2014/main" id="{54BE0341-2C8F-B100-4524-5E0B4E268345}"/>
+              </a:ext>
+            </a:extLst>
+          </p:cNvPr>
+          <p:cNvSpPr>
+            <a:spLocks noGrp="1"/>
+          </p:cNvSpPr>
+          <p:nvPr>
+            <p:ph type="sldNum" sz="quarter" idx="12"/>
+          </p:nvPr>
+        </p:nvSpPr>
+        <p:spPr/>
+        <p:txBody>
+          <a:bodyPr/>
+          <a:lstStyle/>
+          <a:p>
+            <a:fld id="{7A576E13-A1CA-3747-80EE-E6E0D12CE74D}" type="slidenum">
+              <a:rPr lang="fr-FR" smtClean="0"/>
+              <a:t>2</a:t>
+            </a:fld>
+            <a:endParaRPr lang="fr-FR"/>
+          </a:p>
+        </p:txBody>
+      </p:sp>
     </p:spTree>
     <p:extLst>
       <p:ext uri="{BB962C8B-B14F-4D97-AF65-F5344CB8AC3E}">
@@ -4472,6 +4619,35 @@
           </a:p>
         </p:txBody>
       </p:sp>
+      <p:sp>
+        <p:nvSpPr>
+          <p:cNvPr id="3" name="Espace réservé du numéro de diapositive 2">
+            <a:extLst>
+              <a:ext uri="{FF2B5EF4-FFF2-40B4-BE49-F238E27FC236}">
+                <a16:creationId xmlns:a16="http://schemas.microsoft.com/office/drawing/2014/main" id="{0220FDF4-8A95-59E2-F812-D383D5D274C1}"/>
+              </a:ext>
+            </a:extLst>
+          </p:cNvPr>
+          <p:cNvSpPr>
+            <a:spLocks noGrp="1"/>
+          </p:cNvSpPr>
+          <p:nvPr>
+            <p:ph type="sldNum" sz="quarter" idx="12"/>
+          </p:nvPr>
+        </p:nvSpPr>
+        <p:spPr/>
+        <p:txBody>
+          <a:bodyPr/>
+          <a:lstStyle/>
+          <a:p>
+            <a:fld id="{7A576E13-A1CA-3747-80EE-E6E0D12CE74D}" type="slidenum">
+              <a:rPr lang="fr-FR" smtClean="0"/>
+              <a:t>3</a:t>
+            </a:fld>
+            <a:endParaRPr lang="fr-FR"/>
+          </a:p>
+        </p:txBody>
+      </p:sp>
     </p:spTree>
     <p:extLst>
       <p:ext uri="{BB962C8B-B14F-4D97-AF65-F5344CB8AC3E}">
@@ -4554,8 +4730,8 @@
         </p:blipFill>
         <p:spPr>
           <a:xfrm>
-            <a:off x="9058695" y="2163939"/>
-            <a:ext cx="2530121" cy="2530121"/>
+            <a:off x="8987834" y="2118823"/>
+            <a:ext cx="2530121" cy="2435688"/>
           </a:xfrm>
         </p:spPr>
       </p:pic>
@@ -4638,7 +4814,7 @@
         </p:nvSpPr>
         <p:spPr>
           <a:xfrm>
-            <a:off x="9757186" y="4694060"/>
+            <a:off x="9505237" y="4554510"/>
             <a:ext cx="1495313" cy="369332"/>
           </a:xfrm>
           <a:prstGeom prst="rect">
@@ -4656,6 +4832,100 @@
               <a:rPr lang="fr-FR" dirty="0"/>
               <a:t>Repart Tempo</a:t>
             </a:r>
+          </a:p>
+        </p:txBody>
+      </p:sp>
+      <p:pic>
+        <p:nvPicPr>
+          <p:cNvPr id="4" name="Image 3">
+            <a:extLst>
+              <a:ext uri="{FF2B5EF4-FFF2-40B4-BE49-F238E27FC236}">
+                <a16:creationId xmlns:a16="http://schemas.microsoft.com/office/drawing/2014/main" id="{2F0DE72D-75EB-FD10-B010-F1EBB2BD9EDA}"/>
+              </a:ext>
+            </a:extLst>
+          </p:cNvPr>
+          <p:cNvPicPr>
+            <a:picLocks noChangeAspect="1"/>
+          </p:cNvPicPr>
+          <p:nvPr/>
+        </p:nvPicPr>
+        <p:blipFill>
+          <a:blip r:embed="rId4"/>
+          <a:stretch>
+            <a:fillRect/>
+          </a:stretch>
+        </p:blipFill>
+        <p:spPr>
+          <a:xfrm>
+            <a:off x="1461077" y="2489199"/>
+            <a:ext cx="2286000" cy="1879600"/>
+          </a:xfrm>
+          <a:prstGeom prst="rect">
+            <a:avLst/>
+          </a:prstGeom>
+        </p:spPr>
+      </p:pic>
+      <p:sp>
+        <p:nvSpPr>
+          <p:cNvPr id="6" name="ZoneTexte 5">
+            <a:extLst>
+              <a:ext uri="{FF2B5EF4-FFF2-40B4-BE49-F238E27FC236}">
+                <a16:creationId xmlns:a16="http://schemas.microsoft.com/office/drawing/2014/main" id="{4E8C61C1-562B-8A83-EC00-B0F2E7473525}"/>
+              </a:ext>
+            </a:extLst>
+          </p:cNvPr>
+          <p:cNvSpPr txBox="1"/>
+          <p:nvPr/>
+        </p:nvSpPr>
+        <p:spPr>
+          <a:xfrm>
+            <a:off x="1728743" y="4554510"/>
+            <a:ext cx="1750668" cy="369332"/>
+          </a:xfrm>
+          <a:prstGeom prst="rect">
+            <a:avLst/>
+          </a:prstGeom>
+          <a:noFill/>
+        </p:spPr>
+        <p:txBody>
+          <a:bodyPr wrap="square" rtlCol="0">
+            <a:spAutoFit/>
+          </a:bodyPr>
+          <a:lstStyle/>
+          <a:p>
+            <a:r>
+              <a:rPr lang="fr-FR" dirty="0"/>
+              <a:t>Site Web Repart</a:t>
+            </a:r>
+          </a:p>
+        </p:txBody>
+      </p:sp>
+      <p:sp>
+        <p:nvSpPr>
+          <p:cNvPr id="10" name="Espace réservé du numéro de diapositive 9">
+            <a:extLst>
+              <a:ext uri="{FF2B5EF4-FFF2-40B4-BE49-F238E27FC236}">
+                <a16:creationId xmlns:a16="http://schemas.microsoft.com/office/drawing/2014/main" id="{14A84861-8520-0B3A-C965-5CD026E4DF51}"/>
+              </a:ext>
+            </a:extLst>
+          </p:cNvPr>
+          <p:cNvSpPr>
+            <a:spLocks noGrp="1"/>
+          </p:cNvSpPr>
+          <p:nvPr>
+            <p:ph type="sldNum" sz="quarter" idx="12"/>
+          </p:nvPr>
+        </p:nvSpPr>
+        <p:spPr/>
+        <p:txBody>
+          <a:bodyPr/>
+          <a:lstStyle/>
+          <a:p>
+            <a:fld id="{7A576E13-A1CA-3747-80EE-E6E0D12CE74D}" type="slidenum">
+              <a:rPr lang="fr-FR" smtClean="0"/>
+              <a:t>4</a:t>
+            </a:fld>
+            <a:endParaRPr lang="fr-FR"/>
           </a:p>
         </p:txBody>
       </p:sp>
@@ -4806,6 +5076,35 @@
           </a:prstGeom>
         </p:spPr>
       </p:pic>
+      <p:sp>
+        <p:nvSpPr>
+          <p:cNvPr id="3" name="Espace réservé du numéro de diapositive 2">
+            <a:extLst>
+              <a:ext uri="{FF2B5EF4-FFF2-40B4-BE49-F238E27FC236}">
+                <a16:creationId xmlns:a16="http://schemas.microsoft.com/office/drawing/2014/main" id="{4656F36C-BE5B-7822-DDD0-278CA2DE04A7}"/>
+              </a:ext>
+            </a:extLst>
+          </p:cNvPr>
+          <p:cNvSpPr>
+            <a:spLocks noGrp="1"/>
+          </p:cNvSpPr>
+          <p:nvPr>
+            <p:ph type="sldNum" sz="quarter" idx="12"/>
+          </p:nvPr>
+        </p:nvSpPr>
+        <p:spPr/>
+        <p:txBody>
+          <a:bodyPr/>
+          <a:lstStyle/>
+          <a:p>
+            <a:fld id="{7A576E13-A1CA-3747-80EE-E6E0D12CE74D}" type="slidenum">
+              <a:rPr lang="fr-FR" smtClean="0"/>
+              <a:t>5</a:t>
+            </a:fld>
+            <a:endParaRPr lang="fr-FR"/>
+          </a:p>
+        </p:txBody>
+      </p:sp>
     </p:spTree>
     <p:extLst>
       <p:ext uri="{BB962C8B-B14F-4D97-AF65-F5344CB8AC3E}">
@@ -4893,6 +5192,35 @@
           </a:xfrm>
         </p:spPr>
       </p:pic>
+      <p:sp>
+        <p:nvSpPr>
+          <p:cNvPr id="3" name="Espace réservé du numéro de diapositive 2">
+            <a:extLst>
+              <a:ext uri="{FF2B5EF4-FFF2-40B4-BE49-F238E27FC236}">
+                <a16:creationId xmlns:a16="http://schemas.microsoft.com/office/drawing/2014/main" id="{BC809699-CB7C-F8D3-4829-261FC4AC0B52}"/>
+              </a:ext>
+            </a:extLst>
+          </p:cNvPr>
+          <p:cNvSpPr>
+            <a:spLocks noGrp="1"/>
+          </p:cNvSpPr>
+          <p:nvPr>
+            <p:ph type="sldNum" sz="quarter" idx="12"/>
+          </p:nvPr>
+        </p:nvSpPr>
+        <p:spPr/>
+        <p:txBody>
+          <a:bodyPr/>
+          <a:lstStyle/>
+          <a:p>
+            <a:fld id="{7A576E13-A1CA-3747-80EE-E6E0D12CE74D}" type="slidenum">
+              <a:rPr lang="fr-FR" smtClean="0"/>
+              <a:t>6</a:t>
+            </a:fld>
+            <a:endParaRPr lang="fr-FR"/>
+          </a:p>
+        </p:txBody>
+      </p:sp>
     </p:spTree>
     <p:extLst>
       <p:ext uri="{BB962C8B-B14F-4D97-AF65-F5344CB8AC3E}">
@@ -4951,12 +5279,41 @@
           </a:p>
         </p:txBody>
       </p:sp>
+      <p:sp>
+        <p:nvSpPr>
+          <p:cNvPr id="3" name="Espace réservé du numéro de diapositive 2">
+            <a:extLst>
+              <a:ext uri="{FF2B5EF4-FFF2-40B4-BE49-F238E27FC236}">
+                <a16:creationId xmlns:a16="http://schemas.microsoft.com/office/drawing/2014/main" id="{E34432A2-F341-3E95-B1D8-8067868B2F95}"/>
+              </a:ext>
+            </a:extLst>
+          </p:cNvPr>
+          <p:cNvSpPr>
+            <a:spLocks noGrp="1"/>
+          </p:cNvSpPr>
+          <p:nvPr>
+            <p:ph type="sldNum" sz="quarter" idx="12"/>
+          </p:nvPr>
+        </p:nvSpPr>
+        <p:spPr/>
+        <p:txBody>
+          <a:bodyPr/>
+          <a:lstStyle/>
+          <a:p>
+            <a:fld id="{7A576E13-A1CA-3747-80EE-E6E0D12CE74D}" type="slidenum">
+              <a:rPr lang="fr-FR" smtClean="0"/>
+              <a:t>7</a:t>
+            </a:fld>
+            <a:endParaRPr lang="fr-FR"/>
+          </a:p>
+        </p:txBody>
+      </p:sp>
       <p:pic>
         <p:nvPicPr>
-          <p:cNvPr id="5" name="Espace réservé du contenu 4">
-            <a:extLst>
-              <a:ext uri="{FF2B5EF4-FFF2-40B4-BE49-F238E27FC236}">
-                <a16:creationId xmlns:a16="http://schemas.microsoft.com/office/drawing/2014/main" id="{8B29FBBB-6568-C503-8E6D-0F36BAC4D360}"/>
+          <p:cNvPr id="11" name="Espace réservé du contenu 10">
+            <a:extLst>
+              <a:ext uri="{FF2B5EF4-FFF2-40B4-BE49-F238E27FC236}">
+                <a16:creationId xmlns:a16="http://schemas.microsoft.com/office/drawing/2014/main" id="{2E249E96-60E9-DCDD-47EC-ECFF9DF19DE2}"/>
               </a:ext>
             </a:extLst>
           </p:cNvPr>
@@ -4975,8 +5332,8 @@
         </p:blipFill>
         <p:spPr>
           <a:xfrm>
-            <a:off x="1604234" y="1320014"/>
-            <a:ext cx="8983532" cy="5363524"/>
+            <a:off x="1263711" y="1328809"/>
+            <a:ext cx="8718489" cy="5210103"/>
           </a:xfrm>
         </p:spPr>
       </p:pic>
@@ -5067,6 +5424,35 @@
           </a:xfrm>
         </p:spPr>
       </p:pic>
+      <p:sp>
+        <p:nvSpPr>
+          <p:cNvPr id="3" name="Espace réservé du numéro de diapositive 2">
+            <a:extLst>
+              <a:ext uri="{FF2B5EF4-FFF2-40B4-BE49-F238E27FC236}">
+                <a16:creationId xmlns:a16="http://schemas.microsoft.com/office/drawing/2014/main" id="{C9B17D47-C796-15E9-9423-1A7F9B673FED}"/>
+              </a:ext>
+            </a:extLst>
+          </p:cNvPr>
+          <p:cNvSpPr>
+            <a:spLocks noGrp="1"/>
+          </p:cNvSpPr>
+          <p:nvPr>
+            <p:ph type="sldNum" sz="quarter" idx="12"/>
+          </p:nvPr>
+        </p:nvSpPr>
+        <p:spPr/>
+        <p:txBody>
+          <a:bodyPr/>
+          <a:lstStyle/>
+          <a:p>
+            <a:fld id="{7A576E13-A1CA-3747-80EE-E6E0D12CE74D}" type="slidenum">
+              <a:rPr lang="fr-FR" smtClean="0"/>
+              <a:t>8</a:t>
+            </a:fld>
+            <a:endParaRPr lang="fr-FR"/>
+          </a:p>
+        </p:txBody>
+      </p:sp>
     </p:spTree>
     <p:extLst>
       <p:ext uri="{BB962C8B-B14F-4D97-AF65-F5344CB8AC3E}">
@@ -5154,6 +5540,35 @@
           </a:xfrm>
         </p:spPr>
       </p:pic>
+      <p:sp>
+        <p:nvSpPr>
+          <p:cNvPr id="3" name="Espace réservé du numéro de diapositive 2">
+            <a:extLst>
+              <a:ext uri="{FF2B5EF4-FFF2-40B4-BE49-F238E27FC236}">
+                <a16:creationId xmlns:a16="http://schemas.microsoft.com/office/drawing/2014/main" id="{B238D049-BC51-6CF9-8E5D-796507838D35}"/>
+              </a:ext>
+            </a:extLst>
+          </p:cNvPr>
+          <p:cNvSpPr>
+            <a:spLocks noGrp="1"/>
+          </p:cNvSpPr>
+          <p:nvPr>
+            <p:ph type="sldNum" sz="quarter" idx="12"/>
+          </p:nvPr>
+        </p:nvSpPr>
+        <p:spPr/>
+        <p:txBody>
+          <a:bodyPr/>
+          <a:lstStyle/>
+          <a:p>
+            <a:fld id="{7A576E13-A1CA-3747-80EE-E6E0D12CE74D}" type="slidenum">
+              <a:rPr lang="fr-FR" smtClean="0"/>
+              <a:t>9</a:t>
+            </a:fld>
+            <a:endParaRPr lang="fr-FR"/>
+          </a:p>
+        </p:txBody>
+      </p:sp>
     </p:spTree>
     <p:extLst>
       <p:ext uri="{BB962C8B-B14F-4D97-AF65-F5344CB8AC3E}">

--- a/Présentation Repart.pptx
+++ b/Présentation Repart.pptx
@@ -5,7 +5,7 @@
     <p:sldMasterId id="2147483648" r:id="rId1"/>
   </p:sldMasterIdLst>
   <p:notesMasterIdLst>
-    <p:notesMasterId r:id="rId13"/>
+    <p:notesMasterId r:id="rId15"/>
   </p:notesMasterIdLst>
   <p:sldIdLst>
     <p:sldId id="256" r:id="rId2"/>
@@ -18,7 +18,9 @@
     <p:sldId id="263" r:id="rId9"/>
     <p:sldId id="264" r:id="rId10"/>
     <p:sldId id="265" r:id="rId11"/>
-    <p:sldId id="266" r:id="rId12"/>
+    <p:sldId id="267" r:id="rId12"/>
+    <p:sldId id="266" r:id="rId13"/>
+    <p:sldId id="268" r:id="rId14"/>
   </p:sldIdLst>
   <p:sldSz cx="12192000" cy="6858000"/>
   <p:notesSz cx="6858000" cy="9144000"/>
@@ -3758,10 +3760,10 @@
       </p:sp>
       <p:pic>
         <p:nvPicPr>
-          <p:cNvPr id="5" name="Image 4">
-            <a:extLst>
-              <a:ext uri="{FF2B5EF4-FFF2-40B4-BE49-F238E27FC236}">
-                <a16:creationId xmlns:a16="http://schemas.microsoft.com/office/drawing/2014/main" id="{4594C4DF-7C55-7736-42BC-AA3A65F45F78}"/>
+          <p:cNvPr id="6" name="Image 5">
+            <a:extLst>
+              <a:ext uri="{FF2B5EF4-FFF2-40B4-BE49-F238E27FC236}">
+                <a16:creationId xmlns:a16="http://schemas.microsoft.com/office/drawing/2014/main" id="{B075D051-4BC3-93F4-5187-D42BB57A3969}"/>
               </a:ext>
             </a:extLst>
           </p:cNvPr>
@@ -3778,20 +3780,89 @@
         </p:blipFill>
         <p:spPr>
           <a:xfrm>
-            <a:off x="0" y="0"/>
-            <a:ext cx="6235700" cy="1295400"/>
+            <a:off x="4615927" y="1771864"/>
+            <a:ext cx="2960146" cy="2433898"/>
           </a:xfrm>
           <a:prstGeom prst="rect">
             <a:avLst/>
           </a:prstGeom>
         </p:spPr>
       </p:pic>
+      <p:sp>
+        <p:nvSpPr>
+          <p:cNvPr id="9" name="Espace réservé du numéro de diapositive 8">
+            <a:extLst>
+              <a:ext uri="{FF2B5EF4-FFF2-40B4-BE49-F238E27FC236}">
+                <a16:creationId xmlns:a16="http://schemas.microsoft.com/office/drawing/2014/main" id="{40D4F0B2-9E0C-C9E4-00D9-8CC9151CE534}"/>
+              </a:ext>
+            </a:extLst>
+          </p:cNvPr>
+          <p:cNvSpPr>
+            <a:spLocks noGrp="1"/>
+          </p:cNvSpPr>
+          <p:nvPr>
+            <p:ph type="sldNum" sz="quarter" idx="12"/>
+          </p:nvPr>
+        </p:nvSpPr>
+        <p:spPr/>
+        <p:txBody>
+          <a:bodyPr/>
+          <a:lstStyle/>
+          <a:p>
+            <a:fld id="{7A576E13-A1CA-3747-80EE-E6E0D12CE74D}" type="slidenum">
+              <a:rPr lang="fr-FR" smtClean="0"/>
+              <a:t>1</a:t>
+            </a:fld>
+            <a:endParaRPr lang="fr-FR"/>
+          </a:p>
+        </p:txBody>
+      </p:sp>
+      <p:sp>
+        <p:nvSpPr>
+          <p:cNvPr id="2" name="ZoneTexte 1">
+            <a:extLst>
+              <a:ext uri="{FF2B5EF4-FFF2-40B4-BE49-F238E27FC236}">
+                <a16:creationId xmlns:a16="http://schemas.microsoft.com/office/drawing/2014/main" id="{9AF7853D-8A48-4110-F95C-B7366627BE6B}"/>
+              </a:ext>
+            </a:extLst>
+          </p:cNvPr>
+          <p:cNvSpPr txBox="1"/>
+          <p:nvPr/>
+        </p:nvSpPr>
+        <p:spPr>
+          <a:xfrm>
+            <a:off x="5168152" y="4021096"/>
+            <a:ext cx="1855695" cy="369332"/>
+          </a:xfrm>
+          <a:prstGeom prst="rect">
+            <a:avLst/>
+          </a:prstGeom>
+          <a:noFill/>
+        </p:spPr>
+        <p:txBody>
+          <a:bodyPr wrap="square" rtlCol="0">
+            <a:spAutoFit/>
+          </a:bodyPr>
+          <a:lstStyle/>
+          <a:p>
+            <a:r>
+              <a:rPr lang="fr-FR" dirty="0"/>
+              <a:t>Par </a:t>
+            </a:r>
+            <a:r>
+              <a:rPr lang="fr-FR" dirty="0" err="1"/>
+              <a:t>LesBGduNord</a:t>
+            </a:r>
+            <a:endParaRPr lang="fr-FR" dirty="0"/>
+          </a:p>
+        </p:txBody>
+      </p:sp>
       <p:pic>
         <p:nvPicPr>
-          <p:cNvPr id="6" name="Image 5">
-            <a:extLst>
-              <a:ext uri="{FF2B5EF4-FFF2-40B4-BE49-F238E27FC236}">
-                <a16:creationId xmlns:a16="http://schemas.microsoft.com/office/drawing/2014/main" id="{B075D051-4BC3-93F4-5187-D42BB57A3969}"/>
+          <p:cNvPr id="7" name="Image 6">
+            <a:extLst>
+              <a:ext uri="{FF2B5EF4-FFF2-40B4-BE49-F238E27FC236}">
+                <a16:creationId xmlns:a16="http://schemas.microsoft.com/office/drawing/2014/main" id="{5C789B2F-F16A-E833-ABBB-B98530D50EA8}"/>
               </a:ext>
             </a:extLst>
           </p:cNvPr>
@@ -3808,43 +3879,44 @@
         </p:blipFill>
         <p:spPr>
           <a:xfrm>
-            <a:off x="4615927" y="1771864"/>
-            <a:ext cx="2960146" cy="2433898"/>
+            <a:off x="8068389" y="136525"/>
+            <a:ext cx="4123611" cy="1771864"/>
           </a:xfrm>
           <a:prstGeom prst="rect">
             <a:avLst/>
           </a:prstGeom>
         </p:spPr>
       </p:pic>
-      <p:sp>
-        <p:nvSpPr>
-          <p:cNvPr id="9" name="Espace réservé du numéro de diapositive 8">
-            <a:extLst>
-              <a:ext uri="{FF2B5EF4-FFF2-40B4-BE49-F238E27FC236}">
-                <a16:creationId xmlns:a16="http://schemas.microsoft.com/office/drawing/2014/main" id="{40D4F0B2-9E0C-C9E4-00D9-8CC9151CE534}"/>
-              </a:ext>
-            </a:extLst>
-          </p:cNvPr>
-          <p:cNvSpPr>
-            <a:spLocks noGrp="1"/>
-          </p:cNvSpPr>
-          <p:nvPr>
-            <p:ph type="sldNum" sz="quarter" idx="12"/>
-          </p:nvPr>
-        </p:nvSpPr>
-        <p:spPr/>
-        <p:txBody>
-          <a:bodyPr/>
-          <a:lstStyle/>
-          <a:p>
-            <a:fld id="{7A576E13-A1CA-3747-80EE-E6E0D12CE74D}" type="slidenum">
-              <a:rPr lang="fr-FR" smtClean="0"/>
-              <a:t>1</a:t>
-            </a:fld>
-            <a:endParaRPr lang="fr-FR"/>
-          </a:p>
-        </p:txBody>
-      </p:sp>
+      <p:pic>
+        <p:nvPicPr>
+          <p:cNvPr id="10" name="Image 9">
+            <a:extLst>
+              <a:ext uri="{FF2B5EF4-FFF2-40B4-BE49-F238E27FC236}">
+                <a16:creationId xmlns:a16="http://schemas.microsoft.com/office/drawing/2014/main" id="{0C35189B-1040-1340-3C5D-34C3CFCB4CC8}"/>
+              </a:ext>
+            </a:extLst>
+          </p:cNvPr>
+          <p:cNvPicPr>
+            <a:picLocks noChangeAspect="1"/>
+          </p:cNvPicPr>
+          <p:nvPr/>
+        </p:nvPicPr>
+        <p:blipFill>
+          <a:blip r:embed="rId4"/>
+          <a:stretch>
+            <a:fillRect/>
+          </a:stretch>
+        </p:blipFill>
+        <p:spPr>
+          <a:xfrm>
+            <a:off x="0" y="0"/>
+            <a:ext cx="4940300" cy="1828800"/>
+          </a:xfrm>
+          <a:prstGeom prst="rect">
+            <a:avLst/>
+          </a:prstGeom>
+        </p:spPr>
+      </p:pic>
     </p:spTree>
     <p:extLst>
       <p:ext uri="{BB962C8B-B14F-4D97-AF65-F5344CB8AC3E}">
@@ -3891,7 +3963,12 @@
             <p:ph type="title"/>
           </p:nvPr>
         </p:nvSpPr>
-        <p:spPr/>
+        <p:spPr>
+          <a:xfrm>
+            <a:off x="-129988" y="-398668"/>
+            <a:ext cx="10515600" cy="1325563"/>
+          </a:xfrm>
+        </p:spPr>
         <p:txBody>
           <a:bodyPr/>
           <a:lstStyle/>
@@ -3927,8 +4004,8 @@
         </p:blipFill>
         <p:spPr>
           <a:xfrm>
-            <a:off x="2818503" y="1724754"/>
-            <a:ext cx="6013525" cy="4768121"/>
+            <a:off x="2150633" y="648355"/>
+            <a:ext cx="7831567" cy="6209645"/>
           </a:xfrm>
         </p:spPr>
       </p:pic>
@@ -3996,7 +4073,7 @@
           <p:cNvPr id="2" name="Titre 1">
             <a:extLst>
               <a:ext uri="{FF2B5EF4-FFF2-40B4-BE49-F238E27FC236}">
-                <a16:creationId xmlns:a16="http://schemas.microsoft.com/office/drawing/2014/main" id="{BDD3483B-B470-D928-6AD4-6B554925B63F}"/>
+                <a16:creationId xmlns:a16="http://schemas.microsoft.com/office/drawing/2014/main" id="{EB3E0532-8ADF-9631-2B87-BD601CB6061B}"/>
               </a:ext>
             </a:extLst>
           </p:cNvPr>
@@ -4014,26 +4091,88 @@
           <a:p>
             <a:r>
               <a:rPr lang="fr-FR" dirty="0"/>
-              <a:t>Plan de financement</a:t>
+              <a:t>Maquette</a:t>
+            </a:r>
+          </a:p>
+        </p:txBody>
+      </p:sp>
+      <p:sp>
+        <p:nvSpPr>
+          <p:cNvPr id="4" name="Espace réservé du numéro de diapositive 3">
+            <a:extLst>
+              <a:ext uri="{FF2B5EF4-FFF2-40B4-BE49-F238E27FC236}">
+                <a16:creationId xmlns:a16="http://schemas.microsoft.com/office/drawing/2014/main" id="{7697963E-DEF3-D223-79E5-D2BD4A6DCECE}"/>
+              </a:ext>
+            </a:extLst>
+          </p:cNvPr>
+          <p:cNvSpPr>
+            <a:spLocks noGrp="1"/>
+          </p:cNvSpPr>
+          <p:nvPr>
+            <p:ph type="sldNum" sz="quarter" idx="12"/>
+          </p:nvPr>
+        </p:nvSpPr>
+        <p:spPr/>
+        <p:txBody>
+          <a:bodyPr/>
+          <a:lstStyle/>
+          <a:p>
+            <a:fld id="{7A576E13-A1CA-3747-80EE-E6E0D12CE74D}" type="slidenum">
+              <a:rPr lang="fr-FR" smtClean="0"/>
+              <a:t>11</a:t>
+            </a:fld>
+            <a:endParaRPr lang="fr-FR"/>
+          </a:p>
+        </p:txBody>
+      </p:sp>
+      <p:sp>
+        <p:nvSpPr>
+          <p:cNvPr id="5" name="ZoneTexte 4">
+            <a:extLst>
+              <a:ext uri="{FF2B5EF4-FFF2-40B4-BE49-F238E27FC236}">
+                <a16:creationId xmlns:a16="http://schemas.microsoft.com/office/drawing/2014/main" id="{C384D06A-39AB-E364-A4CE-799D790E6260}"/>
+              </a:ext>
+            </a:extLst>
+          </p:cNvPr>
+          <p:cNvSpPr txBox="1"/>
+          <p:nvPr/>
+        </p:nvSpPr>
+        <p:spPr>
+          <a:xfrm>
+            <a:off x="4212739" y="3244334"/>
+            <a:ext cx="3766521" cy="369332"/>
+          </a:xfrm>
+          <a:prstGeom prst="rect">
+            <a:avLst/>
+          </a:prstGeom>
+          <a:noFill/>
+        </p:spPr>
+        <p:txBody>
+          <a:bodyPr wrap="square" rtlCol="0">
+            <a:spAutoFit/>
+          </a:bodyPr>
+          <a:lstStyle/>
+          <a:p>
+            <a:r>
+              <a:rPr lang="fr-FR" dirty="0"/>
+              <a:t>Les maquettes sont présentées à part</a:t>
             </a:r>
           </a:p>
         </p:txBody>
       </p:sp>
       <p:pic>
         <p:nvPicPr>
-          <p:cNvPr id="5" name="Espace réservé du contenu 4">
-            <a:extLst>
-              <a:ext uri="{FF2B5EF4-FFF2-40B4-BE49-F238E27FC236}">
-                <a16:creationId xmlns:a16="http://schemas.microsoft.com/office/drawing/2014/main" id="{2692B497-7EA7-4123-9FFF-58489843DE45}"/>
+          <p:cNvPr id="7" name="Image 6">
+            <a:extLst>
+              <a:ext uri="{FF2B5EF4-FFF2-40B4-BE49-F238E27FC236}">
+                <a16:creationId xmlns:a16="http://schemas.microsoft.com/office/drawing/2014/main" id="{09AB2435-94E4-54E1-F6C0-61F76CF0DF63}"/>
               </a:ext>
             </a:extLst>
           </p:cNvPr>
           <p:cNvPicPr>
-            <a:picLocks noGrp="1" noChangeAspect="1"/>
+            <a:picLocks noChangeAspect="1"/>
           </p:cNvPicPr>
-          <p:nvPr>
-            <p:ph idx="1"/>
-          </p:nvPr>
+          <p:nvPr/>
         </p:nvPicPr>
         <p:blipFill>
           <a:blip r:embed="rId2"/>
@@ -4043,11 +4182,72 @@
         </p:blipFill>
         <p:spPr>
           <a:xfrm>
-            <a:off x="838200" y="2401862"/>
-            <a:ext cx="10515600" cy="3198863"/>
-          </a:xfrm>
+            <a:off x="1065007" y="2551796"/>
+            <a:ext cx="2123739" cy="2123739"/>
+          </a:xfrm>
+          <a:prstGeom prst="rect">
+            <a:avLst/>
+          </a:prstGeom>
         </p:spPr>
       </p:pic>
+    </p:spTree>
+    <p:extLst>
+      <p:ext uri="{BB962C8B-B14F-4D97-AF65-F5344CB8AC3E}">
+        <p14:creationId xmlns:p14="http://schemas.microsoft.com/office/powerpoint/2010/main" val="1972825472"/>
+      </p:ext>
+    </p:extLst>
+  </p:cSld>
+  <p:clrMapOvr>
+    <a:masterClrMapping/>
+  </p:clrMapOvr>
+</p:sld>
+</file>
+
+<file path=ppt/slides/slide12.xml><?xml version="1.0" encoding="utf-8"?>
+<p:sld xmlns:a="http://schemas.openxmlformats.org/drawingml/2006/main" xmlns:r="http://schemas.openxmlformats.org/officeDocument/2006/relationships" xmlns:p="http://schemas.openxmlformats.org/presentationml/2006/main">
+  <p:cSld>
+    <p:spTree>
+      <p:nvGrpSpPr>
+        <p:cNvPr id="1" name=""/>
+        <p:cNvGrpSpPr/>
+        <p:nvPr/>
+      </p:nvGrpSpPr>
+      <p:grpSpPr>
+        <a:xfrm>
+          <a:off x="0" y="0"/>
+          <a:ext cx="0" cy="0"/>
+          <a:chOff x="0" y="0"/>
+          <a:chExt cx="0" cy="0"/>
+        </a:xfrm>
+      </p:grpSpPr>
+      <p:sp>
+        <p:nvSpPr>
+          <p:cNvPr id="2" name="Titre 1">
+            <a:extLst>
+              <a:ext uri="{FF2B5EF4-FFF2-40B4-BE49-F238E27FC236}">
+                <a16:creationId xmlns:a16="http://schemas.microsoft.com/office/drawing/2014/main" id="{BDD3483B-B470-D928-6AD4-6B554925B63F}"/>
+              </a:ext>
+            </a:extLst>
+          </p:cNvPr>
+          <p:cNvSpPr>
+            <a:spLocks noGrp="1"/>
+          </p:cNvSpPr>
+          <p:nvPr>
+            <p:ph type="title"/>
+          </p:nvPr>
+        </p:nvSpPr>
+        <p:spPr/>
+        <p:txBody>
+          <a:bodyPr/>
+          <a:lstStyle/>
+          <a:p>
+            <a:r>
+              <a:rPr lang="fr-FR" dirty="0"/>
+              <a:t>Plan de financement</a:t>
+            </a:r>
+          </a:p>
+        </p:txBody>
+      </p:sp>
       <p:sp>
         <p:nvSpPr>
           <p:cNvPr id="3" name="Espace réservé du numéro de diapositive 2">
@@ -4071,16 +4271,169 @@
           <a:p>
             <a:fld id="{7A576E13-A1CA-3747-80EE-E6E0D12CE74D}" type="slidenum">
               <a:rPr lang="fr-FR" smtClean="0"/>
-              <a:t>11</a:t>
+              <a:t>12</a:t>
             </a:fld>
             <a:endParaRPr lang="fr-FR"/>
           </a:p>
         </p:txBody>
       </p:sp>
+      <p:pic>
+        <p:nvPicPr>
+          <p:cNvPr id="12" name="Espace réservé du contenu 11">
+            <a:extLst>
+              <a:ext uri="{FF2B5EF4-FFF2-40B4-BE49-F238E27FC236}">
+                <a16:creationId xmlns:a16="http://schemas.microsoft.com/office/drawing/2014/main" id="{89456E07-16E8-2B3D-FB41-E283076B66FA}"/>
+              </a:ext>
+            </a:extLst>
+          </p:cNvPr>
+          <p:cNvPicPr>
+            <a:picLocks noGrp="1" noChangeAspect="1"/>
+          </p:cNvPicPr>
+          <p:nvPr>
+            <p:ph idx="1"/>
+          </p:nvPr>
+        </p:nvPicPr>
+        <p:blipFill>
+          <a:blip r:embed="rId2"/>
+          <a:stretch>
+            <a:fillRect/>
+          </a:stretch>
+        </p:blipFill>
+        <p:spPr>
+          <a:xfrm>
+            <a:off x="336446" y="2310153"/>
+            <a:ext cx="11519108" cy="2656962"/>
+          </a:xfrm>
+        </p:spPr>
+      </p:pic>
     </p:spTree>
     <p:extLst>
       <p:ext uri="{BB962C8B-B14F-4D97-AF65-F5344CB8AC3E}">
         <p14:creationId xmlns:p14="http://schemas.microsoft.com/office/powerpoint/2010/main" val="977175338"/>
+      </p:ext>
+    </p:extLst>
+  </p:cSld>
+  <p:clrMapOvr>
+    <a:masterClrMapping/>
+  </p:clrMapOvr>
+</p:sld>
+</file>
+
+<file path=ppt/slides/slide13.xml><?xml version="1.0" encoding="utf-8"?>
+<p:sld xmlns:a="http://schemas.openxmlformats.org/drawingml/2006/main" xmlns:r="http://schemas.openxmlformats.org/officeDocument/2006/relationships" xmlns:p="http://schemas.openxmlformats.org/presentationml/2006/main">
+  <p:cSld>
+    <p:spTree>
+      <p:nvGrpSpPr>
+        <p:cNvPr id="1" name=""/>
+        <p:cNvGrpSpPr/>
+        <p:nvPr/>
+      </p:nvGrpSpPr>
+      <p:grpSpPr>
+        <a:xfrm>
+          <a:off x="0" y="0"/>
+          <a:ext cx="0" cy="0"/>
+          <a:chOff x="0" y="0"/>
+          <a:chExt cx="0" cy="0"/>
+        </a:xfrm>
+      </p:grpSpPr>
+      <p:sp>
+        <p:nvSpPr>
+          <p:cNvPr id="4" name="Espace réservé du numéro de diapositive 3">
+            <a:extLst>
+              <a:ext uri="{FF2B5EF4-FFF2-40B4-BE49-F238E27FC236}">
+                <a16:creationId xmlns:a16="http://schemas.microsoft.com/office/drawing/2014/main" id="{4D425635-3014-9650-DF9F-B0BC0275E227}"/>
+              </a:ext>
+            </a:extLst>
+          </p:cNvPr>
+          <p:cNvSpPr>
+            <a:spLocks noGrp="1"/>
+          </p:cNvSpPr>
+          <p:nvPr>
+            <p:ph type="sldNum" sz="quarter" idx="12"/>
+          </p:nvPr>
+        </p:nvSpPr>
+        <p:spPr/>
+        <p:txBody>
+          <a:bodyPr/>
+          <a:lstStyle/>
+          <a:p>
+            <a:fld id="{7A576E13-A1CA-3747-80EE-E6E0D12CE74D}" type="slidenum">
+              <a:rPr lang="fr-FR" smtClean="0"/>
+              <a:t>13</a:t>
+            </a:fld>
+            <a:endParaRPr lang="fr-FR"/>
+          </a:p>
+        </p:txBody>
+      </p:sp>
+      <p:sp>
+        <p:nvSpPr>
+          <p:cNvPr id="5" name="ZoneTexte 4">
+            <a:extLst>
+              <a:ext uri="{FF2B5EF4-FFF2-40B4-BE49-F238E27FC236}">
+                <a16:creationId xmlns:a16="http://schemas.microsoft.com/office/drawing/2014/main" id="{4F5E288C-34F9-08DC-21C4-F9F11D478BEA}"/>
+              </a:ext>
+            </a:extLst>
+          </p:cNvPr>
+          <p:cNvSpPr txBox="1"/>
+          <p:nvPr/>
+        </p:nvSpPr>
+        <p:spPr>
+          <a:xfrm>
+            <a:off x="1426285" y="2201954"/>
+            <a:ext cx="7184315" cy="1569660"/>
+          </a:xfrm>
+          <a:prstGeom prst="rect">
+            <a:avLst/>
+          </a:prstGeom>
+          <a:noFill/>
+        </p:spPr>
+        <p:txBody>
+          <a:bodyPr wrap="square" rtlCol="0">
+            <a:spAutoFit/>
+          </a:bodyPr>
+          <a:lstStyle/>
+          <a:p>
+            <a:r>
+              <a:rPr lang="fr-FR" sz="9600" dirty="0"/>
+              <a:t>Des questions</a:t>
+            </a:r>
+          </a:p>
+        </p:txBody>
+      </p:sp>
+      <p:pic>
+        <p:nvPicPr>
+          <p:cNvPr id="7" name="Image 6">
+            <a:extLst>
+              <a:ext uri="{FF2B5EF4-FFF2-40B4-BE49-F238E27FC236}">
+                <a16:creationId xmlns:a16="http://schemas.microsoft.com/office/drawing/2014/main" id="{6DCCF659-DD66-572D-196B-EB6A45FA01E8}"/>
+              </a:ext>
+            </a:extLst>
+          </p:cNvPr>
+          <p:cNvPicPr>
+            <a:picLocks noChangeAspect="1"/>
+          </p:cNvPicPr>
+          <p:nvPr/>
+        </p:nvPicPr>
+        <p:blipFill>
+          <a:blip r:embed="rId2"/>
+          <a:stretch>
+            <a:fillRect/>
+          </a:stretch>
+        </p:blipFill>
+        <p:spPr>
+          <a:xfrm>
+            <a:off x="9113822" y="1859340"/>
+            <a:ext cx="1736756" cy="2254888"/>
+          </a:xfrm>
+          <a:prstGeom prst="rect">
+            <a:avLst/>
+          </a:prstGeom>
+        </p:spPr>
+      </p:pic>
+    </p:spTree>
+    <p:extLst>
+      <p:ext uri="{BB962C8B-B14F-4D97-AF65-F5344CB8AC3E}">
+        <p14:creationId xmlns:p14="http://schemas.microsoft.com/office/powerpoint/2010/main" val="1312113141"/>
       </p:ext>
     </p:extLst>
   </p:cSld>
@@ -4155,6 +4508,14 @@
         <p:txBody>
           <a:bodyPr/>
           <a:lstStyle/>
+          <a:p>
+            <a:r>
+              <a:rPr lang="fr-FR" dirty="0">
+                <a:latin typeface="Century Gothic" panose="020B0502020202020204" pitchFamily="34" charset="0"/>
+              </a:rPr>
+              <a:t>Problématique</a:t>
+            </a:r>
+          </a:p>
           <a:p>
             <a:r>
               <a:rPr lang="fr-FR" dirty="0">
@@ -4730,7 +5091,7 @@
         </p:blipFill>
         <p:spPr>
           <a:xfrm>
-            <a:off x="8987834" y="2118823"/>
+            <a:off x="8106773" y="2118824"/>
             <a:ext cx="2530121" cy="2435688"/>
           </a:xfrm>
         </p:spPr>
@@ -4757,7 +5118,7 @@
         </p:blipFill>
         <p:spPr>
           <a:xfrm>
-            <a:off x="3747077" y="2118822"/>
+            <a:off x="2866016" y="2118823"/>
             <a:ext cx="4697846" cy="2620354"/>
           </a:xfrm>
           <a:prstGeom prst="rect">
@@ -4779,7 +5140,7 @@
         </p:nvSpPr>
         <p:spPr>
           <a:xfrm>
-            <a:off x="5287383" y="4554510"/>
+            <a:off x="4406322" y="4554511"/>
             <a:ext cx="1617233" cy="369332"/>
           </a:xfrm>
           <a:prstGeom prst="rect">
@@ -4814,7 +5175,7 @@
         </p:nvSpPr>
         <p:spPr>
           <a:xfrm>
-            <a:off x="9505237" y="4554510"/>
+            <a:off x="8624176" y="4554511"/>
             <a:ext cx="1495313" cy="369332"/>
           </a:xfrm>
           <a:prstGeom prst="rect">
@@ -4857,7 +5218,7 @@
         </p:blipFill>
         <p:spPr>
           <a:xfrm>
-            <a:off x="1461077" y="2489199"/>
+            <a:off x="580016" y="2489200"/>
             <a:ext cx="2286000" cy="1879600"/>
           </a:xfrm>
           <a:prstGeom prst="rect">
@@ -4879,7 +5240,7 @@
         </p:nvSpPr>
         <p:spPr>
           <a:xfrm>
-            <a:off x="1728743" y="4554510"/>
+            <a:off x="847682" y="4554511"/>
             <a:ext cx="1750668" cy="369332"/>
           </a:xfrm>
           <a:prstGeom prst="rect">
@@ -4926,6 +5287,161 @@
               <a:t>4</a:t>
             </a:fld>
             <a:endParaRPr lang="fr-FR"/>
+          </a:p>
+        </p:txBody>
+      </p:sp>
+      <p:pic>
+        <p:nvPicPr>
+          <p:cNvPr id="11" name="Image 10">
+            <a:extLst>
+              <a:ext uri="{FF2B5EF4-FFF2-40B4-BE49-F238E27FC236}">
+                <a16:creationId xmlns:a16="http://schemas.microsoft.com/office/drawing/2014/main" id="{A7CBA1CF-4592-13A4-A6BF-9364D62CDA9C}"/>
+              </a:ext>
+            </a:extLst>
+          </p:cNvPr>
+          <p:cNvPicPr>
+            <a:picLocks noChangeAspect="1"/>
+          </p:cNvPicPr>
+          <p:nvPr/>
+        </p:nvPicPr>
+        <p:blipFill>
+          <a:blip r:embed="rId5"/>
+          <a:stretch>
+            <a:fillRect/>
+          </a:stretch>
+        </p:blipFill>
+        <p:spPr>
+          <a:xfrm>
+            <a:off x="10226944" y="2401409"/>
+            <a:ext cx="707827" cy="707827"/>
+          </a:xfrm>
+          <a:prstGeom prst="rect">
+            <a:avLst/>
+          </a:prstGeom>
+        </p:spPr>
+      </p:pic>
+      <p:pic>
+        <p:nvPicPr>
+          <p:cNvPr id="13" name="Image 12">
+            <a:extLst>
+              <a:ext uri="{FF2B5EF4-FFF2-40B4-BE49-F238E27FC236}">
+                <a16:creationId xmlns:a16="http://schemas.microsoft.com/office/drawing/2014/main" id="{5FEE3221-7C25-7672-3E96-BF72F681B3D1}"/>
+              </a:ext>
+            </a:extLst>
+          </p:cNvPr>
+          <p:cNvPicPr>
+            <a:picLocks noChangeAspect="1"/>
+          </p:cNvPicPr>
+          <p:nvPr/>
+        </p:nvPicPr>
+        <p:blipFill>
+          <a:blip r:embed="rId6"/>
+          <a:stretch>
+            <a:fillRect/>
+          </a:stretch>
+        </p:blipFill>
+        <p:spPr>
+          <a:xfrm>
+            <a:off x="10226944" y="3336668"/>
+            <a:ext cx="707827" cy="707827"/>
+          </a:xfrm>
+          <a:prstGeom prst="rect">
+            <a:avLst/>
+          </a:prstGeom>
+        </p:spPr>
+      </p:pic>
+      <p:pic>
+        <p:nvPicPr>
+          <p:cNvPr id="15" name="Image 14">
+            <a:extLst>
+              <a:ext uri="{FF2B5EF4-FFF2-40B4-BE49-F238E27FC236}">
+                <a16:creationId xmlns:a16="http://schemas.microsoft.com/office/drawing/2014/main" id="{BBBB1683-9E4A-AEAB-6FB1-7FC5AAC7D7DC}"/>
+              </a:ext>
+            </a:extLst>
+          </p:cNvPr>
+          <p:cNvPicPr>
+            <a:picLocks noChangeAspect="1"/>
+          </p:cNvPicPr>
+          <p:nvPr/>
+        </p:nvPicPr>
+        <p:blipFill>
+          <a:blip r:embed="rId7"/>
+          <a:stretch>
+            <a:fillRect/>
+          </a:stretch>
+        </p:blipFill>
+        <p:spPr>
+          <a:xfrm>
+            <a:off x="6023555" y="2489200"/>
+            <a:ext cx="683559" cy="683559"/>
+          </a:xfrm>
+          <a:prstGeom prst="rect">
+            <a:avLst/>
+          </a:prstGeom>
+        </p:spPr>
+      </p:pic>
+      <p:pic>
+        <p:nvPicPr>
+          <p:cNvPr id="19" name="Image 18">
+            <a:extLst>
+              <a:ext uri="{FF2B5EF4-FFF2-40B4-BE49-F238E27FC236}">
+                <a16:creationId xmlns:a16="http://schemas.microsoft.com/office/drawing/2014/main" id="{599FADC5-FFA2-3792-DF4F-4F5B408DA181}"/>
+              </a:ext>
+            </a:extLst>
+          </p:cNvPr>
+          <p:cNvPicPr>
+            <a:picLocks noChangeAspect="1"/>
+          </p:cNvPicPr>
+          <p:nvPr/>
+        </p:nvPicPr>
+        <p:blipFill>
+          <a:blip r:embed="rId8"/>
+          <a:stretch>
+            <a:fillRect/>
+          </a:stretch>
+        </p:blipFill>
+        <p:spPr>
+          <a:xfrm>
+            <a:off x="2182457" y="2489200"/>
+            <a:ext cx="683559" cy="683559"/>
+          </a:xfrm>
+          <a:prstGeom prst="rect">
+            <a:avLst/>
+          </a:prstGeom>
+        </p:spPr>
+      </p:pic>
+      <p:sp>
+        <p:nvSpPr>
+          <p:cNvPr id="20" name="ZoneTexte 19">
+            <a:extLst>
+              <a:ext uri="{FF2B5EF4-FFF2-40B4-BE49-F238E27FC236}">
+                <a16:creationId xmlns:a16="http://schemas.microsoft.com/office/drawing/2014/main" id="{0E9AB71A-75AF-EC97-88A0-40EB0EBA4B02}"/>
+              </a:ext>
+            </a:extLst>
+          </p:cNvPr>
+          <p:cNvSpPr txBox="1"/>
+          <p:nvPr/>
+        </p:nvSpPr>
+        <p:spPr>
+          <a:xfrm>
+            <a:off x="-55961" y="6631240"/>
+            <a:ext cx="1807285" cy="246221"/>
+          </a:xfrm>
+          <a:prstGeom prst="rect">
+            <a:avLst/>
+          </a:prstGeom>
+          <a:noFill/>
+        </p:spPr>
+        <p:txBody>
+          <a:bodyPr wrap="square" rtlCol="0">
+            <a:spAutoFit/>
+          </a:bodyPr>
+          <a:lstStyle/>
+          <a:p>
+            <a:r>
+              <a:rPr lang="fr-FR" sz="1000" dirty="0"/>
+              <a:t>*images non contractuelle</a:t>
+            </a:r>
           </a:p>
         </p:txBody>
       </p:sp>
@@ -5151,7 +5667,12 @@
             <p:ph type="title"/>
           </p:nvPr>
         </p:nvSpPr>
-        <p:spPr/>
+        <p:spPr>
+          <a:xfrm>
+            <a:off x="-107576" y="-371824"/>
+            <a:ext cx="10515600" cy="1325563"/>
+          </a:xfrm>
+        </p:spPr>
         <p:txBody>
           <a:bodyPr/>
           <a:lstStyle/>
@@ -5187,8 +5708,8 @@
         </p:blipFill>
         <p:spPr>
           <a:xfrm>
-            <a:off x="2926080" y="1449107"/>
-            <a:ext cx="6074274" cy="5140526"/>
+            <a:off x="2194559" y="542884"/>
+            <a:ext cx="7462222" cy="6315116"/>
           </a:xfrm>
         </p:spPr>
       </p:pic>
@@ -5267,7 +5788,12 @@
             <p:ph type="title"/>
           </p:nvPr>
         </p:nvSpPr>
-        <p:spPr/>
+        <p:spPr>
+          <a:xfrm>
+            <a:off x="-86062" y="-413055"/>
+            <a:ext cx="10515600" cy="1325563"/>
+          </a:xfrm>
+        </p:spPr>
         <p:txBody>
           <a:bodyPr/>
           <a:lstStyle/>
@@ -5332,8 +5858,8 @@
         </p:blipFill>
         <p:spPr>
           <a:xfrm>
-            <a:off x="1263711" y="1328809"/>
-            <a:ext cx="8718489" cy="5210103"/>
+            <a:off x="666078" y="623944"/>
+            <a:ext cx="10431953" cy="6234056"/>
           </a:xfrm>
         </p:spPr>
       </p:pic>
@@ -5383,7 +5909,12 @@
             <p:ph type="title"/>
           </p:nvPr>
         </p:nvSpPr>
-        <p:spPr/>
+        <p:spPr>
+          <a:xfrm>
+            <a:off x="-107576" y="-422808"/>
+            <a:ext cx="10515600" cy="1325563"/>
+          </a:xfrm>
+        </p:spPr>
         <p:txBody>
           <a:bodyPr/>
           <a:lstStyle/>
@@ -5419,8 +5950,8 @@
         </p:blipFill>
         <p:spPr>
           <a:xfrm>
-            <a:off x="2850777" y="1433892"/>
-            <a:ext cx="5592112" cy="5184134"/>
+            <a:off x="2592593" y="534611"/>
+            <a:ext cx="6820348" cy="6322763"/>
           </a:xfrm>
         </p:spPr>
       </p:pic>
@@ -5499,7 +6030,12 @@
             <p:ph type="title"/>
           </p:nvPr>
         </p:nvSpPr>
-        <p:spPr/>
+        <p:spPr>
+          <a:xfrm>
+            <a:off x="-108473" y="-387910"/>
+            <a:ext cx="10515600" cy="1325563"/>
+          </a:xfrm>
+        </p:spPr>
         <p:txBody>
           <a:bodyPr/>
           <a:lstStyle/>
@@ -5535,8 +6071,8 @@
         </p:blipFill>
         <p:spPr>
           <a:xfrm>
-            <a:off x="1264585" y="1825625"/>
-            <a:ext cx="9662830" cy="4351338"/>
+            <a:off x="435974" y="937653"/>
+            <a:ext cx="11136900" cy="5015137"/>
           </a:xfrm>
         </p:spPr>
       </p:pic>
